--- a/Final-Group-Presentation/SPEECHES.pptx
+++ b/Final-Group-Presentation/SPEECHES.pptx
@@ -3199,7 +3199,7 @@
         <p:spPr>
           <a:xfrm>
             <a:off x="5715000" y="6581623"/>
-            <a:ext cx="6593314" cy="1269578"/>
+            <a:ext cx="6593314" cy="2906437"/>
           </a:xfrm>
           <a:prstGeom prst="rect">
             <a:avLst/>
@@ -3211,11 +3211,7 @@
           </a:bodyPr>
           <a:lstStyle/>
           <a:p>
-            <a:pPr algn="ctr">
-              <a:lnSpc>
-                <a:spcPts val="3306"/>
-              </a:lnSpc>
-            </a:pPr>
+            <a:pPr algn="ctr"/>
             <a:r>
               <a:rPr lang="en-US" sz="2361" spc="472" dirty="0">
                 <a:solidFill>
@@ -3242,11 +3238,7 @@
             </a:r>
           </a:p>
           <a:p>
-            <a:pPr algn="ctr">
-              <a:lnSpc>
-                <a:spcPts val="3306"/>
-              </a:lnSpc>
-            </a:pPr>
+            <a:pPr algn="ctr"/>
             <a:endParaRPr lang="en-US" sz="2361" spc="472" dirty="0" smtClean="0">
               <a:solidFill>
                 <a:srgbClr val="504C44"/>
@@ -3258,11 +3250,7 @@
             </a:endParaRPr>
           </a:p>
           <a:p>
-            <a:pPr algn="ctr">
-              <a:lnSpc>
-                <a:spcPts val="3306"/>
-              </a:lnSpc>
-            </a:pPr>
+            <a:pPr algn="ctr"/>
             <a:r>
               <a:rPr lang="en-US" sz="2361" spc="472" dirty="0" smtClean="0">
                 <a:solidFill>
@@ -3273,8 +3261,23 @@
                 <a:cs typeface="Inter"/>
                 <a:sym typeface="Inter"/>
               </a:rPr>
-              <a:t>GROUP 2</a:t>
-            </a:r>
+              <a:t>GROUP </a:t>
+            </a:r>
+            <a:r>
+              <a:rPr lang="en-US" sz="2361" spc="472" dirty="0" smtClean="0">
+                <a:solidFill>
+                  <a:srgbClr val="504C44"/>
+                </a:solidFill>
+                <a:latin typeface="Inter"/>
+                <a:ea typeface="Inter"/>
+                <a:cs typeface="Inter"/>
+                <a:sym typeface="Inter"/>
+              </a:rPr>
+              <a:t>2</a:t>
+            </a:r>
+          </a:p>
+          <a:p>
+            <a:pPr algn="ctr"/>
             <a:endParaRPr lang="en-US" sz="2361" spc="472" dirty="0">
               <a:solidFill>
                 <a:srgbClr val="504C44"/>
@@ -3285,6 +3288,240 @@
               <a:sym typeface="Inter"/>
             </a:endParaRPr>
           </a:p>
+          <a:p>
+            <a:pPr algn="ctr"/>
+            <a:r>
+              <a:rPr lang="en-US" sz="2361" dirty="0" err="1" smtClean="0">
+                <a:solidFill>
+                  <a:srgbClr val="504C44"/>
+                </a:solidFill>
+                <a:latin typeface="Times New Roman" panose="02020603050405020304" pitchFamily="18" charset="0"/>
+                <a:ea typeface="Inter"/>
+                <a:cs typeface="Times New Roman" panose="02020603050405020304" pitchFamily="18" charset="0"/>
+                <a:sym typeface="Inter"/>
+              </a:rPr>
+              <a:t>Disha</a:t>
+            </a:r>
+            <a:r>
+              <a:rPr lang="en-US" sz="2361" dirty="0" smtClean="0">
+                <a:solidFill>
+                  <a:srgbClr val="504C44"/>
+                </a:solidFill>
+                <a:latin typeface="Times New Roman" panose="02020603050405020304" pitchFamily="18" charset="0"/>
+                <a:ea typeface="Inter"/>
+                <a:cs typeface="Times New Roman" panose="02020603050405020304" pitchFamily="18" charset="0"/>
+                <a:sym typeface="Inter"/>
+              </a:rPr>
+              <a:t> </a:t>
+            </a:r>
+            <a:r>
+              <a:rPr lang="en-US" sz="2361" dirty="0" err="1" smtClean="0">
+                <a:solidFill>
+                  <a:srgbClr val="504C44"/>
+                </a:solidFill>
+                <a:latin typeface="Times New Roman" panose="02020603050405020304" pitchFamily="18" charset="0"/>
+                <a:ea typeface="Inter"/>
+                <a:cs typeface="Times New Roman" panose="02020603050405020304" pitchFamily="18" charset="0"/>
+                <a:sym typeface="Inter"/>
+              </a:rPr>
+              <a:t>Kacha</a:t>
+            </a:r>
+            <a:r>
+              <a:rPr lang="en-US" sz="2361" dirty="0">
+                <a:solidFill>
+                  <a:srgbClr val="504C44"/>
+                </a:solidFill>
+                <a:latin typeface="Times New Roman" panose="02020603050405020304" pitchFamily="18" charset="0"/>
+                <a:ea typeface="Inter"/>
+                <a:cs typeface="Times New Roman" panose="02020603050405020304" pitchFamily="18" charset="0"/>
+                <a:sym typeface="Inter"/>
+              </a:rPr>
+              <a:t> (</a:t>
+            </a:r>
+            <a:r>
+              <a:rPr lang="en-US" sz="2361" dirty="0" smtClean="0">
+                <a:solidFill>
+                  <a:srgbClr val="504C44"/>
+                </a:solidFill>
+                <a:latin typeface="Times New Roman" panose="02020603050405020304" pitchFamily="18" charset="0"/>
+                <a:ea typeface="Inter"/>
+                <a:cs typeface="Times New Roman" panose="02020603050405020304" pitchFamily="18" charset="0"/>
+                <a:sym typeface="Inter"/>
+              </a:rPr>
+              <a:t>G21218299)</a:t>
+            </a:r>
+            <a:endParaRPr lang="en-US" sz="2361" dirty="0" smtClean="0">
+              <a:solidFill>
+                <a:srgbClr val="504C44"/>
+              </a:solidFill>
+              <a:latin typeface="Times New Roman" panose="02020603050405020304" pitchFamily="18" charset="0"/>
+              <a:ea typeface="Inter"/>
+              <a:cs typeface="Times New Roman" panose="02020603050405020304" pitchFamily="18" charset="0"/>
+              <a:sym typeface="Inter"/>
+            </a:endParaRPr>
+          </a:p>
+          <a:p>
+            <a:pPr algn="ctr"/>
+            <a:r>
+              <a:rPr lang="en-US" sz="2361" dirty="0" err="1" smtClean="0">
+                <a:solidFill>
+                  <a:srgbClr val="504C44"/>
+                </a:solidFill>
+                <a:latin typeface="Times New Roman" panose="02020603050405020304" pitchFamily="18" charset="0"/>
+                <a:ea typeface="Inter"/>
+                <a:cs typeface="Times New Roman" panose="02020603050405020304" pitchFamily="18" charset="0"/>
+                <a:sym typeface="Inter"/>
+              </a:rPr>
+              <a:t>Sairam</a:t>
+            </a:r>
+            <a:r>
+              <a:rPr lang="en-US" sz="2361" dirty="0" smtClean="0">
+                <a:solidFill>
+                  <a:srgbClr val="504C44"/>
+                </a:solidFill>
+                <a:latin typeface="Times New Roman" panose="02020603050405020304" pitchFamily="18" charset="0"/>
+                <a:ea typeface="Inter"/>
+                <a:cs typeface="Times New Roman" panose="02020603050405020304" pitchFamily="18" charset="0"/>
+                <a:sym typeface="Inter"/>
+              </a:rPr>
+              <a:t> </a:t>
+            </a:r>
+            <a:r>
+              <a:rPr lang="en-US" sz="2361" dirty="0" err="1" smtClean="0">
+                <a:solidFill>
+                  <a:srgbClr val="504C44"/>
+                </a:solidFill>
+                <a:latin typeface="Times New Roman" panose="02020603050405020304" pitchFamily="18" charset="0"/>
+                <a:ea typeface="Inter"/>
+                <a:cs typeface="Times New Roman" panose="02020603050405020304" pitchFamily="18" charset="0"/>
+                <a:sym typeface="Inter"/>
+              </a:rPr>
+              <a:t>Venkatachalam</a:t>
+            </a:r>
+            <a:r>
+              <a:rPr lang="en-US" sz="2361" dirty="0">
+                <a:solidFill>
+                  <a:srgbClr val="504C44"/>
+                </a:solidFill>
+                <a:latin typeface="Times New Roman" panose="02020603050405020304" pitchFamily="18" charset="0"/>
+                <a:ea typeface="Inter"/>
+                <a:cs typeface="Times New Roman" panose="02020603050405020304" pitchFamily="18" charset="0"/>
+                <a:sym typeface="Inter"/>
+              </a:rPr>
+              <a:t> (</a:t>
+            </a:r>
+            <a:r>
+              <a:rPr lang="en-US" sz="2361" dirty="0" smtClean="0">
+                <a:solidFill>
+                  <a:srgbClr val="504C44"/>
+                </a:solidFill>
+                <a:latin typeface="Times New Roman" panose="02020603050405020304" pitchFamily="18" charset="0"/>
+                <a:ea typeface="Inter"/>
+                <a:cs typeface="Times New Roman" panose="02020603050405020304" pitchFamily="18" charset="0"/>
+                <a:sym typeface="Inter"/>
+              </a:rPr>
+              <a:t>G45613249)</a:t>
+            </a:r>
+          </a:p>
+          <a:p>
+            <a:pPr algn="ctr"/>
+            <a:r>
+              <a:rPr lang="en-US" sz="2361" dirty="0" smtClean="0">
+                <a:solidFill>
+                  <a:srgbClr val="504C44"/>
+                </a:solidFill>
+                <a:latin typeface="Times New Roman" panose="02020603050405020304" pitchFamily="18" charset="0"/>
+                <a:ea typeface="Inter"/>
+                <a:cs typeface="Times New Roman" panose="02020603050405020304" pitchFamily="18" charset="0"/>
+                <a:sym typeface="Inter"/>
+              </a:rPr>
+              <a:t>Smit </a:t>
+            </a:r>
+            <a:r>
+              <a:rPr lang="en-US" sz="2361" dirty="0" err="1" smtClean="0">
+                <a:solidFill>
+                  <a:srgbClr val="504C44"/>
+                </a:solidFill>
+                <a:latin typeface="Times New Roman" panose="02020603050405020304" pitchFamily="18" charset="0"/>
+                <a:ea typeface="Inter"/>
+                <a:cs typeface="Times New Roman" panose="02020603050405020304" pitchFamily="18" charset="0"/>
+                <a:sym typeface="Inter"/>
+              </a:rPr>
+              <a:t>Pancholi</a:t>
+            </a:r>
+            <a:r>
+              <a:rPr lang="en-US" sz="2361" dirty="0" smtClean="0">
+                <a:solidFill>
+                  <a:srgbClr val="504C44"/>
+                </a:solidFill>
+                <a:latin typeface="Times New Roman" panose="02020603050405020304" pitchFamily="18" charset="0"/>
+                <a:ea typeface="Inter"/>
+                <a:cs typeface="Times New Roman" panose="02020603050405020304" pitchFamily="18" charset="0"/>
+                <a:sym typeface="Inter"/>
+              </a:rPr>
+              <a:t> (G31443926)</a:t>
+            </a:r>
+          </a:p>
+          <a:p>
+            <a:pPr algn="ctr"/>
+            <a:r>
+              <a:rPr lang="en-US" sz="2361" dirty="0" smtClean="0">
+                <a:solidFill>
+                  <a:srgbClr val="504C44"/>
+                </a:solidFill>
+                <a:latin typeface="Times New Roman" panose="02020603050405020304" pitchFamily="18" charset="0"/>
+                <a:ea typeface="Inter"/>
+                <a:cs typeface="Times New Roman" panose="02020603050405020304" pitchFamily="18" charset="0"/>
+                <a:sym typeface="Inter"/>
+              </a:rPr>
+              <a:t>Devarsh </a:t>
+            </a:r>
+            <a:r>
+              <a:rPr lang="en-US" sz="2361" dirty="0" err="1" smtClean="0">
+                <a:solidFill>
+                  <a:srgbClr val="504C44"/>
+                </a:solidFill>
+                <a:latin typeface="Times New Roman" panose="02020603050405020304" pitchFamily="18" charset="0"/>
+                <a:ea typeface="Inter"/>
+                <a:cs typeface="Times New Roman" panose="02020603050405020304" pitchFamily="18" charset="0"/>
+                <a:sym typeface="Inter"/>
+              </a:rPr>
+              <a:t>Sheth</a:t>
+            </a:r>
+            <a:r>
+              <a:rPr lang="en-US" sz="2361" dirty="0">
+                <a:solidFill>
+                  <a:srgbClr val="504C44"/>
+                </a:solidFill>
+                <a:latin typeface="Times New Roman" panose="02020603050405020304" pitchFamily="18" charset="0"/>
+                <a:ea typeface="Inter"/>
+                <a:cs typeface="Times New Roman" panose="02020603050405020304" pitchFamily="18" charset="0"/>
+                <a:sym typeface="Inter"/>
+              </a:rPr>
+              <a:t> (</a:t>
+            </a:r>
+            <a:r>
+              <a:rPr lang="en-US" sz="2361" dirty="0" smtClean="0">
+                <a:solidFill>
+                  <a:srgbClr val="504C44"/>
+                </a:solidFill>
+                <a:latin typeface="Times New Roman" panose="02020603050405020304" pitchFamily="18" charset="0"/>
+                <a:ea typeface="Inter"/>
+                <a:cs typeface="Times New Roman" panose="02020603050405020304" pitchFamily="18" charset="0"/>
+                <a:sym typeface="Inter"/>
+              </a:rPr>
+              <a:t>G33776499)</a:t>
+            </a:r>
+            <a:endParaRPr lang="en-US" sz="2361" dirty="0">
+              <a:solidFill>
+                <a:srgbClr val="504C44"/>
+              </a:solidFill>
+              <a:latin typeface="Times New Roman" panose="02020603050405020304" pitchFamily="18" charset="0"/>
+              <a:ea typeface="Inter"/>
+              <a:cs typeface="Times New Roman" panose="02020603050405020304" pitchFamily="18" charset="0"/>
+              <a:sym typeface="Inter"/>
+            </a:endParaRPr>
+          </a:p>
         </p:txBody>
       </p:sp>
     </p:spTree>
@@ -3292,6 +3529,13 @@
   <p:clrMapOvr>
     <a:masterClrMapping/>
   </p:clrMapOvr>
+  <p:timing>
+    <p:tnLst>
+      <p:par>
+        <p:cTn id="1" dur="indefinite" restart="never" nodeType="tmRoot"/>
+      </p:par>
+    </p:tnLst>
+  </p:timing>
 </p:sld>
 </file>
 
@@ -3328,8 +3572,8 @@
         </p:nvSpPr>
         <p:spPr>
           <a:xfrm>
-            <a:off x="4849085" y="4063551"/>
-            <a:ext cx="10120075" cy="1249836"/>
+            <a:off x="4343400" y="3924300"/>
+            <a:ext cx="10120075" cy="1273041"/>
           </a:xfrm>
           <a:prstGeom prst="rect">
             <a:avLst/>
@@ -3341,13 +3585,13 @@
           </a:bodyPr>
           <a:lstStyle/>
           <a:p>
-            <a:pPr algn="l">
+            <a:pPr algn="ctr">
               <a:lnSpc>
                 <a:spcPts val="10275"/>
               </a:lnSpc>
             </a:pPr>
             <a:r>
-              <a:rPr lang="en-US" sz="7339" spc="1467">
+              <a:rPr lang="en-US" sz="7339" spc="1467" dirty="0">
                 <a:solidFill>
                   <a:srgbClr val="504C44"/>
                 </a:solidFill>
@@ -3366,6 +3610,13 @@
   <p:clrMapOvr>
     <a:masterClrMapping/>
   </p:clrMapOvr>
+  <p:timing>
+    <p:tnLst>
+      <p:par>
+        <p:cTn id="1" dur="indefinite" restart="never" nodeType="tmRoot"/>
+      </p:par>
+    </p:tnLst>
+  </p:timing>
 </p:sld>
 </file>
 
@@ -3557,6 +3808,13 @@
   <p:clrMapOvr>
     <a:masterClrMapping/>
   </p:clrMapOvr>
+  <p:timing>
+    <p:tnLst>
+      <p:par>
+        <p:cTn id="1" dur="indefinite" restart="never" nodeType="tmRoot"/>
+      </p:par>
+    </p:tnLst>
+  </p:timing>
 </p:sld>
 </file>
 
@@ -3785,6 +4043,13 @@
   <p:clrMapOvr>
     <a:masterClrMapping/>
   </p:clrMapOvr>
+  <p:timing>
+    <p:tnLst>
+      <p:par>
+        <p:cTn id="1" dur="indefinite" restart="never" nodeType="tmRoot"/>
+      </p:par>
+    </p:tnLst>
+  </p:timing>
 </p:sld>
 </file>
 
@@ -3867,7 +4132,7 @@
         </p:nvSpPr>
         <p:spPr>
           <a:xfrm>
-            <a:off x="699119" y="4486327"/>
+            <a:off x="818506" y="4486327"/>
             <a:ext cx="4363094" cy="669925"/>
           </a:xfrm>
           <a:prstGeom prst="rect">
@@ -3905,6 +4170,13 @@
   <p:clrMapOvr>
     <a:masterClrMapping/>
   </p:clrMapOvr>
+  <p:timing>
+    <p:tnLst>
+      <p:par>
+        <p:cTn id="1" dur="indefinite" restart="never" nodeType="tmRoot"/>
+      </p:par>
+    </p:tnLst>
+  </p:timing>
 </p:sld>
 </file>
 
@@ -4025,6 +4297,13 @@
   <p:clrMapOvr>
     <a:masterClrMapping/>
   </p:clrMapOvr>
+  <p:timing>
+    <p:tnLst>
+      <p:par>
+        <p:cTn id="1" dur="indefinite" restart="never" nodeType="tmRoot"/>
+      </p:par>
+    </p:tnLst>
+  </p:timing>
 </p:sld>
 </file>
 
@@ -4186,6 +4465,13 @@
   <p:clrMapOvr>
     <a:masterClrMapping/>
   </p:clrMapOvr>
+  <p:timing>
+    <p:tnLst>
+      <p:par>
+        <p:cTn id="1" dur="indefinite" restart="never" nodeType="tmRoot"/>
+      </p:par>
+    </p:tnLst>
+  </p:timing>
 </p:sld>
 </file>
 
@@ -4282,7 +4568,7 @@
               </a:lnSpc>
             </a:pPr>
             <a:r>
-              <a:rPr lang="en-US" sz="2722">
+              <a:rPr lang="en-US" sz="2722" dirty="0">
                 <a:solidFill>
                   <a:srgbClr val="504C44"/>
                 </a:solidFill>
@@ -4303,7 +4589,7 @@
               <a:buChar char="•"/>
             </a:pPr>
             <a:r>
-              <a:rPr lang="en-US" sz="2722">
+              <a:rPr lang="en-US" sz="2722" dirty="0">
                 <a:solidFill>
                   <a:srgbClr val="504C44"/>
                 </a:solidFill>
@@ -4321,7 +4607,7 @@
                 <a:spcPts val="3811"/>
               </a:lnSpc>
             </a:pPr>
-            <a:endParaRPr lang="en-US" sz="2722">
+            <a:endParaRPr lang="en-US" sz="2722" dirty="0">
               <a:solidFill>
                 <a:srgbClr val="504C44"/>
               </a:solidFill>
@@ -4338,7 +4624,7 @@
               </a:lnSpc>
             </a:pPr>
             <a:r>
-              <a:rPr lang="en-US" sz="2722">
+              <a:rPr lang="en-US" sz="2722" dirty="0">
                 <a:solidFill>
                   <a:srgbClr val="504C44"/>
                 </a:solidFill>
@@ -4359,7 +4645,7 @@
               <a:buChar char="•"/>
             </a:pPr>
             <a:r>
-              <a:rPr lang="en-US" sz="2722">
+              <a:rPr lang="en-US" sz="2722" dirty="0">
                 <a:solidFill>
                   <a:srgbClr val="504C44"/>
                 </a:solidFill>
@@ -4368,7 +4654,31 @@
                 <a:cs typeface="Inter"/>
                 <a:sym typeface="Inter"/>
               </a:rPr>
-              <a:t>Encodes both questions and transcript chunks into vector embeddings, enabling precise context retrieval and ranking.</a:t>
+              <a:t>Encodes both questions and transcript chunks into vector </a:t>
+            </a:r>
+            <a:r>
+              <a:rPr lang="en-US" sz="2722" dirty="0" err="1">
+                <a:solidFill>
+                  <a:srgbClr val="504C44"/>
+                </a:solidFill>
+                <a:latin typeface="Inter"/>
+                <a:ea typeface="Inter"/>
+                <a:cs typeface="Inter"/>
+                <a:sym typeface="Inter"/>
+              </a:rPr>
+              <a:t>embeddings</a:t>
+            </a:r>
+            <a:r>
+              <a:rPr lang="en-US" sz="2722" dirty="0">
+                <a:solidFill>
+                  <a:srgbClr val="504C44"/>
+                </a:solidFill>
+                <a:latin typeface="Inter"/>
+                <a:ea typeface="Inter"/>
+                <a:cs typeface="Inter"/>
+                <a:sym typeface="Inter"/>
+              </a:rPr>
+              <a:t>, enabling precise context retrieval and ranking.</a:t>
             </a:r>
           </a:p>
           <a:p>
@@ -4377,7 +4687,7 @@
                 <a:spcPts val="3811"/>
               </a:lnSpc>
             </a:pPr>
-            <a:endParaRPr lang="en-US" sz="2722">
+            <a:endParaRPr lang="en-US" sz="2722" dirty="0">
               <a:solidFill>
                 <a:srgbClr val="504C44"/>
               </a:solidFill>
@@ -4394,7 +4704,7 @@
               </a:lnSpc>
             </a:pPr>
             <a:r>
-              <a:rPr lang="en-US" sz="2722">
+              <a:rPr lang="en-US" sz="2722" dirty="0">
                 <a:solidFill>
                   <a:srgbClr val="504C44"/>
                 </a:solidFill>
@@ -4415,7 +4725,7 @@
               <a:buChar char="•"/>
             </a:pPr>
             <a:r>
-              <a:rPr lang="en-US" sz="2722">
+              <a:rPr lang="en-US" sz="2722" dirty="0">
                 <a:solidFill>
                   <a:srgbClr val="504C44"/>
                 </a:solidFill>
@@ -4433,7 +4743,7 @@
                 <a:spcPts val="3811"/>
               </a:lnSpc>
             </a:pPr>
-            <a:endParaRPr lang="en-US" sz="2722">
+            <a:endParaRPr lang="en-US" sz="2722" dirty="0">
               <a:solidFill>
                 <a:srgbClr val="504C44"/>
               </a:solidFill>
@@ -4450,7 +4760,7 @@
               </a:lnSpc>
             </a:pPr>
             <a:r>
-              <a:rPr lang="en-US" sz="2722">
+              <a:rPr lang="en-US" sz="2722" dirty="0" err="1">
                 <a:solidFill>
                   <a:srgbClr val="504C44"/>
                 </a:solidFill>
@@ -4459,7 +4769,19 @@
                 <a:cs typeface="Inter"/>
                 <a:sym typeface="Inter"/>
               </a:rPr>
-              <a:t>ChromaDB for Vector Store</a:t>
+              <a:t>ChromaDB</a:t>
+            </a:r>
+            <a:r>
+              <a:rPr lang="en-US" sz="2722" dirty="0">
+                <a:solidFill>
+                  <a:srgbClr val="504C44"/>
+                </a:solidFill>
+                <a:latin typeface="Inter"/>
+                <a:ea typeface="Inter"/>
+                <a:cs typeface="Inter"/>
+                <a:sym typeface="Inter"/>
+              </a:rPr>
+              <a:t> for Vector Store</a:t>
             </a:r>
           </a:p>
           <a:p>
@@ -4471,7 +4793,7 @@
               <a:buChar char="•"/>
             </a:pPr>
             <a:r>
-              <a:rPr lang="en-US" sz="2722">
+              <a:rPr lang="en-US" sz="2722" dirty="0">
                 <a:solidFill>
                   <a:srgbClr val="504C44"/>
                 </a:solidFill>
@@ -4480,7 +4802,31 @@
                 <a:cs typeface="Inter"/>
                 <a:sym typeface="Inter"/>
               </a:rPr>
-              <a:t>Stores precomputed embeddings in a scalable and efficient vector database, enabling fast and accurate similarity-based retrieval.</a:t>
+              <a:t>Stores precomputed </a:t>
+            </a:r>
+            <a:r>
+              <a:rPr lang="en-US" sz="2722" dirty="0" err="1">
+                <a:solidFill>
+                  <a:srgbClr val="504C44"/>
+                </a:solidFill>
+                <a:latin typeface="Inter"/>
+                <a:ea typeface="Inter"/>
+                <a:cs typeface="Inter"/>
+                <a:sym typeface="Inter"/>
+              </a:rPr>
+              <a:t>embeddings</a:t>
+            </a:r>
+            <a:r>
+              <a:rPr lang="en-US" sz="2722" dirty="0">
+                <a:solidFill>
+                  <a:srgbClr val="504C44"/>
+                </a:solidFill>
+                <a:latin typeface="Inter"/>
+                <a:ea typeface="Inter"/>
+                <a:cs typeface="Inter"/>
+                <a:sym typeface="Inter"/>
+              </a:rPr>
+              <a:t> in a scalable and efficient vector database, enabling fast and accurate similarity-based retrieval.</a:t>
             </a:r>
           </a:p>
           <a:p>
@@ -4489,7 +4835,7 @@
                 <a:spcPts val="3811"/>
               </a:lnSpc>
             </a:pPr>
-            <a:endParaRPr lang="en-US" sz="2722">
+            <a:endParaRPr lang="en-US" sz="2722" dirty="0">
               <a:solidFill>
                 <a:srgbClr val="504C44"/>
               </a:solidFill>
@@ -4506,6 +4852,13 @@
   <p:clrMapOvr>
     <a:masterClrMapping/>
   </p:clrMapOvr>
+  <p:timing>
+    <p:tnLst>
+      <p:par>
+        <p:cTn id="1" dur="indefinite" restart="never" nodeType="tmRoot"/>
+      </p:par>
+    </p:tnLst>
+  </p:timing>
 </p:sld>
 </file>
 
@@ -4584,7 +4937,7 @@
         <p:spPr>
           <a:xfrm>
             <a:off x="1028700" y="2869433"/>
-            <a:ext cx="16589738" cy="6556375"/>
+            <a:ext cx="16589738" cy="5834931"/>
           </a:xfrm>
           <a:prstGeom prst="rect">
             <a:avLst/>
@@ -4604,7 +4957,7 @@
               <a:buChar char="•"/>
             </a:pPr>
             <a:r>
-              <a:rPr lang="en-US" sz="2499">
+              <a:rPr lang="en-US" sz="2499" dirty="0">
                 <a:solidFill>
                   <a:srgbClr val="504C44"/>
                 </a:solidFill>
@@ -4622,7 +4975,7 @@
                 <a:spcPts val="3499"/>
               </a:lnSpc>
             </a:pPr>
-            <a:endParaRPr lang="en-US" sz="2499">
+            <a:endParaRPr lang="en-US" sz="2499" dirty="0">
               <a:solidFill>
                 <a:srgbClr val="504C44"/>
               </a:solidFill>
@@ -4641,7 +4994,7 @@
               <a:buChar char="•"/>
             </a:pPr>
             <a:r>
-              <a:rPr lang="en-US" sz="2499">
+              <a:rPr lang="en-US" sz="2499" dirty="0">
                 <a:solidFill>
                   <a:srgbClr val="504C44"/>
                 </a:solidFill>
@@ -4659,7 +5012,7 @@
                 <a:spcPts val="3499"/>
               </a:lnSpc>
             </a:pPr>
-            <a:endParaRPr lang="en-US" sz="2499">
+            <a:endParaRPr lang="en-US" sz="2499" dirty="0">
               <a:solidFill>
                 <a:srgbClr val="504C44"/>
               </a:solidFill>
@@ -4678,7 +5031,7 @@
               <a:buChar char="•"/>
             </a:pPr>
             <a:r>
-              <a:rPr lang="en-US" sz="2499">
+              <a:rPr lang="en-US" sz="2499" dirty="0">
                 <a:solidFill>
                   <a:srgbClr val="504C44"/>
                 </a:solidFill>
@@ -4696,7 +5049,7 @@
                 <a:spcPts val="3499"/>
               </a:lnSpc>
             </a:pPr>
-            <a:endParaRPr lang="en-US" sz="2499">
+            <a:endParaRPr lang="en-US" sz="2499" dirty="0">
               <a:solidFill>
                 <a:srgbClr val="504C44"/>
               </a:solidFill>
@@ -4715,7 +5068,7 @@
               <a:buChar char="•"/>
             </a:pPr>
             <a:r>
-              <a:rPr lang="en-US" sz="2499">
+              <a:rPr lang="en-US" sz="2499" dirty="0">
                 <a:solidFill>
                   <a:srgbClr val="504C44"/>
                 </a:solidFill>
@@ -4733,7 +5086,7 @@
                 <a:spcPts val="3499"/>
               </a:lnSpc>
             </a:pPr>
-            <a:endParaRPr lang="en-US" sz="2499">
+            <a:endParaRPr lang="en-US" sz="2499" dirty="0">
               <a:solidFill>
                 <a:srgbClr val="504C44"/>
               </a:solidFill>
@@ -4752,7 +5105,7 @@
               <a:buChar char="•"/>
             </a:pPr>
             <a:r>
-              <a:rPr lang="en-US" sz="2499">
+              <a:rPr lang="en-US" sz="2499" dirty="0">
                 <a:solidFill>
                   <a:srgbClr val="504C44"/>
                 </a:solidFill>
@@ -4761,16 +5114,21 @@
                 <a:cs typeface="Inter"/>
                 <a:sym typeface="Inter"/>
               </a:rPr>
-              <a:t>This approach validates the model's performance beyond numbers, ensuring it meets user needs effectively.</a:t>
-            </a:r>
-          </a:p>
-          <a:p>
-            <a:pPr algn="just">
-              <a:lnSpc>
-                <a:spcPts val="3499"/>
-              </a:lnSpc>
-            </a:pPr>
-            <a:endParaRPr lang="en-US" sz="2499">
+              <a:t>This approach validates the model's performance beyond numbers, ensuring it meets user needs effectively</a:t>
+            </a:r>
+            <a:r>
+              <a:rPr lang="en-US" sz="2499" dirty="0" smtClean="0">
+                <a:solidFill>
+                  <a:srgbClr val="504C44"/>
+                </a:solidFill>
+                <a:latin typeface="Inter"/>
+                <a:ea typeface="Inter"/>
+                <a:cs typeface="Inter"/>
+                <a:sym typeface="Inter"/>
+              </a:rPr>
+              <a:t>.</a:t>
+            </a:r>
+            <a:endParaRPr lang="en-US" sz="2499" dirty="0">
               <a:solidFill>
                 <a:srgbClr val="504C44"/>
               </a:solidFill>
@@ -4780,27 +5138,6 @@
               <a:sym typeface="Inter"/>
             </a:endParaRPr>
           </a:p>
-          <a:p>
-            <a:pPr marL="539748" lvl="1" indent="-269874" algn="just">
-              <a:lnSpc>
-                <a:spcPts val="3499"/>
-              </a:lnSpc>
-              <a:buFont typeface="Arial"/>
-              <a:buChar char="•"/>
-            </a:pPr>
-            <a:r>
-              <a:rPr lang="en-US" sz="2499">
-                <a:solidFill>
-                  <a:srgbClr val="504C44"/>
-                </a:solidFill>
-                <a:latin typeface="Inter"/>
-                <a:ea typeface="Inter"/>
-                <a:cs typeface="Inter"/>
-                <a:sym typeface="Inter"/>
-              </a:rPr>
-              <a:t>Other metrics: BLEU Score, BERT Score, ROUGE Score, etc.</a:t>
-            </a:r>
-          </a:p>
         </p:txBody>
       </p:sp>
     </p:spTree>
@@ -4808,6 +5145,13 @@
   <p:clrMapOvr>
     <a:masterClrMapping/>
   </p:clrMapOvr>
+  <p:timing>
+    <p:tnLst>
+      <p:par>
+        <p:cTn id="1" dur="indefinite" restart="never" nodeType="tmRoot"/>
+      </p:par>
+    </p:tnLst>
+  </p:timing>
 </p:sld>
 </file>
 
@@ -4882,6 +5226,13 @@
   <p:clrMapOvr>
     <a:masterClrMapping/>
   </p:clrMapOvr>
+  <p:timing>
+    <p:tnLst>
+      <p:par>
+        <p:cTn id="1" dur="indefinite" restart="never" nodeType="tmRoot"/>
+      </p:par>
+    </p:tnLst>
+  </p:timing>
 </p:sld>
 </file>
 
